--- a/_book/plot/consumer-product-type-1.pptx
+++ b/_book/plot/consumer-product-type-1.pptx
@@ -3192,8 +3192,8 @@
           </p:nvSpPr>
           <p:spPr>
             <a:xfrm>
-              <a:off x="2019661" y="1590617"/>
-              <a:ext cx="6917431" cy="4055309"/>
+              <a:off x="2017917" y="1590617"/>
+              <a:ext cx="6919174" cy="4059006"/>
             </a:xfrm>
             <a:prstGeom prst="rect">
               <a:avLst/>
@@ -3218,15 +3218,15 @@
           </p:nvSpPr>
           <p:spPr>
             <a:xfrm>
-              <a:off x="3146579" y="1590617"/>
-              <a:ext cx="0" cy="4055309"/>
+              <a:off x="3145120" y="1590617"/>
+              <a:ext cx="0" cy="4059006"/>
             </a:xfrm>
             <a:custGeom>
               <a:avLst/>
               <a:pathLst>
-                <a:path w="0" h="4055309">
+                <a:path w="0" h="4059006">
                   <a:moveTo>
-                    <a:pt x="0" y="4055309"/>
+                    <a:pt x="0" y="4059006"/>
                   </a:moveTo>
                   <a:lnTo>
                     <a:pt x="0" y="0"/>
@@ -3261,15 +3261,15 @@
           </p:nvSpPr>
           <p:spPr>
             <a:xfrm>
-              <a:off x="5400416" y="1590617"/>
-              <a:ext cx="0" cy="4055309"/>
+              <a:off x="5399525" y="1590617"/>
+              <a:ext cx="0" cy="4059006"/>
             </a:xfrm>
             <a:custGeom>
               <a:avLst/>
               <a:pathLst>
-                <a:path w="0" h="4055309">
+                <a:path w="0" h="4059006">
                   <a:moveTo>
-                    <a:pt x="0" y="4055309"/>
+                    <a:pt x="0" y="4059006"/>
                   </a:moveTo>
                   <a:lnTo>
                     <a:pt x="0" y="0"/>
@@ -3304,15 +3304,15 @@
           </p:nvSpPr>
           <p:spPr>
             <a:xfrm>
-              <a:off x="7654253" y="1590617"/>
-              <a:ext cx="0" cy="4055309"/>
+              <a:off x="7653930" y="1590617"/>
+              <a:ext cx="0" cy="4059006"/>
             </a:xfrm>
             <a:custGeom>
               <a:avLst/>
               <a:pathLst>
-                <a:path w="0" h="4055309">
+                <a:path w="0" h="4059006">
                   <a:moveTo>
-                    <a:pt x="0" y="4055309"/>
+                    <a:pt x="0" y="4059006"/>
                   </a:moveTo>
                   <a:lnTo>
                     <a:pt x="0" y="0"/>
@@ -3347,21 +3347,21 @@
           </p:nvSpPr>
           <p:spPr>
             <a:xfrm>
-              <a:off x="2019661" y="5349196"/>
-              <a:ext cx="6917431" cy="0"/>
+              <a:off x="2017917" y="5352623"/>
+              <a:ext cx="6919174" cy="0"/>
             </a:xfrm>
             <a:custGeom>
               <a:avLst/>
               <a:pathLst>
-                <a:path w="6917431" h="0">
+                <a:path w="6919174" h="0">
                   <a:moveTo>
                     <a:pt x="0" y="0"/>
                   </a:moveTo>
                   <a:lnTo>
-                    <a:pt x="6917431" y="0"/>
-                  </a:lnTo>
-                  <a:lnTo>
-                    <a:pt x="6917431" y="0"/>
+                    <a:pt x="6919174" y="0"/>
+                  </a:lnTo>
+                  <a:lnTo>
+                    <a:pt x="6919174" y="0"/>
                   </a:lnTo>
                 </a:path>
               </a:pathLst>
@@ -3390,21 +3390,21 @@
           </p:nvSpPr>
           <p:spPr>
             <a:xfrm>
-              <a:off x="2019661" y="4854646"/>
-              <a:ext cx="6917431" cy="0"/>
+              <a:off x="2017917" y="4857622"/>
+              <a:ext cx="6919174" cy="0"/>
             </a:xfrm>
             <a:custGeom>
               <a:avLst/>
               <a:pathLst>
-                <a:path w="6917431" h="0">
+                <a:path w="6919174" h="0">
                   <a:moveTo>
                     <a:pt x="0" y="0"/>
                   </a:moveTo>
                   <a:lnTo>
-                    <a:pt x="6917431" y="0"/>
-                  </a:lnTo>
-                  <a:lnTo>
-                    <a:pt x="6917431" y="0"/>
+                    <a:pt x="6919174" y="0"/>
+                  </a:lnTo>
+                  <a:lnTo>
+                    <a:pt x="6919174" y="0"/>
                   </a:lnTo>
                 </a:path>
               </a:pathLst>
@@ -3433,21 +3433,21 @@
           </p:nvSpPr>
           <p:spPr>
             <a:xfrm>
-              <a:off x="2019661" y="4360096"/>
-              <a:ext cx="6917431" cy="0"/>
+              <a:off x="2017917" y="4362621"/>
+              <a:ext cx="6919174" cy="0"/>
             </a:xfrm>
             <a:custGeom>
               <a:avLst/>
               <a:pathLst>
-                <a:path w="6917431" h="0">
+                <a:path w="6919174" h="0">
                   <a:moveTo>
                     <a:pt x="0" y="0"/>
                   </a:moveTo>
                   <a:lnTo>
-                    <a:pt x="6917431" y="0"/>
-                  </a:lnTo>
-                  <a:lnTo>
-                    <a:pt x="6917431" y="0"/>
+                    <a:pt x="6919174" y="0"/>
+                  </a:lnTo>
+                  <a:lnTo>
+                    <a:pt x="6919174" y="0"/>
                   </a:lnTo>
                 </a:path>
               </a:pathLst>
@@ -3476,21 +3476,21 @@
           </p:nvSpPr>
           <p:spPr>
             <a:xfrm>
-              <a:off x="2019661" y="3865546"/>
-              <a:ext cx="6917431" cy="0"/>
+              <a:off x="2017917" y="3867620"/>
+              <a:ext cx="6919174" cy="0"/>
             </a:xfrm>
             <a:custGeom>
               <a:avLst/>
               <a:pathLst>
-                <a:path w="6917431" h="0">
+                <a:path w="6919174" h="0">
                   <a:moveTo>
                     <a:pt x="0" y="0"/>
                   </a:moveTo>
                   <a:lnTo>
-                    <a:pt x="6917431" y="0"/>
-                  </a:lnTo>
-                  <a:lnTo>
-                    <a:pt x="6917431" y="0"/>
+                    <a:pt x="6919174" y="0"/>
+                  </a:lnTo>
+                  <a:lnTo>
+                    <a:pt x="6919174" y="0"/>
                   </a:lnTo>
                 </a:path>
               </a:pathLst>
@@ -3519,21 +3519,21 @@
           </p:nvSpPr>
           <p:spPr>
             <a:xfrm>
-              <a:off x="2019661" y="3370996"/>
-              <a:ext cx="6917431" cy="0"/>
+              <a:off x="2017917" y="3372620"/>
+              <a:ext cx="6919174" cy="0"/>
             </a:xfrm>
             <a:custGeom>
               <a:avLst/>
               <a:pathLst>
-                <a:path w="6917431" h="0">
+                <a:path w="6919174" h="0">
                   <a:moveTo>
                     <a:pt x="0" y="0"/>
                   </a:moveTo>
                   <a:lnTo>
-                    <a:pt x="6917431" y="0"/>
-                  </a:lnTo>
-                  <a:lnTo>
-                    <a:pt x="6917431" y="0"/>
+                    <a:pt x="6919174" y="0"/>
+                  </a:lnTo>
+                  <a:lnTo>
+                    <a:pt x="6919174" y="0"/>
                   </a:lnTo>
                 </a:path>
               </a:pathLst>
@@ -3562,21 +3562,21 @@
           </p:nvSpPr>
           <p:spPr>
             <a:xfrm>
-              <a:off x="2019661" y="2876447"/>
-              <a:ext cx="6917431" cy="0"/>
+              <a:off x="2017917" y="2877619"/>
+              <a:ext cx="6919174" cy="0"/>
             </a:xfrm>
             <a:custGeom>
               <a:avLst/>
               <a:pathLst>
-                <a:path w="6917431" h="0">
+                <a:path w="6919174" h="0">
                   <a:moveTo>
                     <a:pt x="0" y="0"/>
                   </a:moveTo>
                   <a:lnTo>
-                    <a:pt x="6917431" y="0"/>
-                  </a:lnTo>
-                  <a:lnTo>
-                    <a:pt x="6917431" y="0"/>
+                    <a:pt x="6919174" y="0"/>
+                  </a:lnTo>
+                  <a:lnTo>
+                    <a:pt x="6919174" y="0"/>
                   </a:lnTo>
                 </a:path>
               </a:pathLst>
@@ -3605,21 +3605,21 @@
           </p:nvSpPr>
           <p:spPr>
             <a:xfrm>
-              <a:off x="2019661" y="2381897"/>
-              <a:ext cx="6917431" cy="0"/>
+              <a:off x="2017917" y="2382618"/>
+              <a:ext cx="6919174" cy="0"/>
             </a:xfrm>
             <a:custGeom>
               <a:avLst/>
               <a:pathLst>
-                <a:path w="6917431" h="0">
+                <a:path w="6919174" h="0">
                   <a:moveTo>
                     <a:pt x="0" y="0"/>
                   </a:moveTo>
                   <a:lnTo>
-                    <a:pt x="6917431" y="0"/>
-                  </a:lnTo>
-                  <a:lnTo>
-                    <a:pt x="6917431" y="0"/>
+                    <a:pt x="6919174" y="0"/>
+                  </a:lnTo>
+                  <a:lnTo>
+                    <a:pt x="6919174" y="0"/>
                   </a:lnTo>
                 </a:path>
               </a:pathLst>
@@ -3648,21 +3648,21 @@
           </p:nvSpPr>
           <p:spPr>
             <a:xfrm>
-              <a:off x="2019661" y="1887347"/>
-              <a:ext cx="6917431" cy="0"/>
+              <a:off x="2017917" y="1887617"/>
+              <a:ext cx="6919174" cy="0"/>
             </a:xfrm>
             <a:custGeom>
               <a:avLst/>
               <a:pathLst>
-                <a:path w="6917431" h="0">
+                <a:path w="6919174" h="0">
                   <a:moveTo>
                     <a:pt x="0" y="0"/>
                   </a:moveTo>
                   <a:lnTo>
-                    <a:pt x="6917431" y="0"/>
-                  </a:lnTo>
-                  <a:lnTo>
-                    <a:pt x="6917431" y="0"/>
+                    <a:pt x="6919174" y="0"/>
+                  </a:lnTo>
+                  <a:lnTo>
+                    <a:pt x="6919174" y="0"/>
                   </a:lnTo>
                 </a:path>
               </a:pathLst>
@@ -3691,15 +3691,15 @@
           </p:nvSpPr>
           <p:spPr>
             <a:xfrm>
-              <a:off x="2019661" y="1590617"/>
-              <a:ext cx="0" cy="4055309"/>
+              <a:off x="2017917" y="1590617"/>
+              <a:ext cx="0" cy="4059006"/>
             </a:xfrm>
             <a:custGeom>
               <a:avLst/>
               <a:pathLst>
-                <a:path w="0" h="4055309">
+                <a:path w="0" h="4059006">
                   <a:moveTo>
-                    <a:pt x="0" y="4055309"/>
+                    <a:pt x="0" y="4059006"/>
                   </a:moveTo>
                   <a:lnTo>
                     <a:pt x="0" y="0"/>
@@ -3734,15 +3734,15 @@
           </p:nvSpPr>
           <p:spPr>
             <a:xfrm>
-              <a:off x="4273498" y="1590617"/>
-              <a:ext cx="0" cy="4055309"/>
+              <a:off x="4272322" y="1590617"/>
+              <a:ext cx="0" cy="4059006"/>
             </a:xfrm>
             <a:custGeom>
               <a:avLst/>
               <a:pathLst>
-                <a:path w="0" h="4055309">
+                <a:path w="0" h="4059006">
                   <a:moveTo>
-                    <a:pt x="0" y="4055309"/>
+                    <a:pt x="0" y="4059006"/>
                   </a:moveTo>
                   <a:lnTo>
                     <a:pt x="0" y="0"/>
@@ -3777,15 +3777,15 @@
           </p:nvSpPr>
           <p:spPr>
             <a:xfrm>
-              <a:off x="6527335" y="1590617"/>
-              <a:ext cx="0" cy="4055309"/>
+              <a:off x="6526727" y="1590617"/>
+              <a:ext cx="0" cy="4059006"/>
             </a:xfrm>
             <a:custGeom>
               <a:avLst/>
               <a:pathLst>
-                <a:path w="0" h="4055309">
+                <a:path w="0" h="4059006">
                   <a:moveTo>
-                    <a:pt x="0" y="4055309"/>
+                    <a:pt x="0" y="4059006"/>
                   </a:moveTo>
                   <a:lnTo>
                     <a:pt x="0" y="0"/>
@@ -3820,15 +3820,15 @@
           </p:nvSpPr>
           <p:spPr>
             <a:xfrm>
-              <a:off x="8781172" y="1590617"/>
-              <a:ext cx="0" cy="4055309"/>
+              <a:off x="8781132" y="1590617"/>
+              <a:ext cx="0" cy="4059006"/>
             </a:xfrm>
             <a:custGeom>
               <a:avLst/>
               <a:pathLst>
-                <a:path w="0" h="4055309">
+                <a:path w="0" h="4059006">
                   <a:moveTo>
-                    <a:pt x="0" y="4055309"/>
+                    <a:pt x="0" y="4059006"/>
                   </a:moveTo>
                   <a:lnTo>
                     <a:pt x="0" y="0"/>
@@ -3863,8 +3863,8 @@
           </p:nvSpPr>
           <p:spPr>
             <a:xfrm>
-              <a:off x="2019661" y="1664799"/>
-              <a:ext cx="6781795" cy="445094"/>
+              <a:off x="2017917" y="1664867"/>
+              <a:ext cx="6783504" cy="445500"/>
             </a:xfrm>
             <a:prstGeom prst="rect">
               <a:avLst/>
@@ -3889,8 +3889,8 @@
           </p:nvSpPr>
           <p:spPr>
             <a:xfrm>
-              <a:off x="2019661" y="2159349"/>
-              <a:ext cx="5875752" cy="445094"/>
+              <a:off x="2017917" y="2159868"/>
+              <a:ext cx="5877233" cy="445500"/>
             </a:xfrm>
             <a:prstGeom prst="rect">
               <a:avLst/>
@@ -3915,8 +3915,8 @@
           </p:nvSpPr>
           <p:spPr>
             <a:xfrm>
-              <a:off x="2019661" y="2653899"/>
-              <a:ext cx="4532466" cy="445094"/>
+              <a:off x="2017917" y="2654868"/>
+              <a:ext cx="4533608" cy="445500"/>
             </a:xfrm>
             <a:prstGeom prst="rect">
               <a:avLst/>
@@ -3941,8 +3941,8 @@
           </p:nvSpPr>
           <p:spPr>
             <a:xfrm>
-              <a:off x="2019661" y="3148449"/>
-              <a:ext cx="3797715" cy="445094"/>
+              <a:off x="2017917" y="3149869"/>
+              <a:ext cx="3798672" cy="445500"/>
             </a:xfrm>
             <a:prstGeom prst="rect">
               <a:avLst/>
@@ -3967,8 +3967,8 @@
           </p:nvSpPr>
           <p:spPr>
             <a:xfrm>
-              <a:off x="2019661" y="3642999"/>
-              <a:ext cx="3024649" cy="445094"/>
+              <a:off x="2017917" y="3644870"/>
+              <a:ext cx="3025411" cy="445500"/>
             </a:xfrm>
             <a:prstGeom prst="rect">
               <a:avLst/>
@@ -3993,8 +3993,8 @@
           </p:nvSpPr>
           <p:spPr>
             <a:xfrm>
-              <a:off x="2019661" y="4137549"/>
-              <a:ext cx="2623466" cy="445094"/>
+              <a:off x="2017917" y="4139871"/>
+              <a:ext cx="2624127" cy="445500"/>
             </a:xfrm>
             <a:prstGeom prst="rect">
               <a:avLst/>
@@ -4019,8 +4019,8 @@
           </p:nvSpPr>
           <p:spPr>
             <a:xfrm>
-              <a:off x="2019661" y="4632099"/>
-              <a:ext cx="2607689" cy="445094"/>
+              <a:off x="2017917" y="4634872"/>
+              <a:ext cx="2608346" cy="445500"/>
             </a:xfrm>
             <a:prstGeom prst="rect">
               <a:avLst/>
@@ -4045,8 +4045,8 @@
           </p:nvSpPr>
           <p:spPr>
             <a:xfrm>
-              <a:off x="2019661" y="5126649"/>
-              <a:ext cx="338075" cy="445094"/>
+              <a:off x="2017917" y="5129872"/>
+              <a:ext cx="338160" cy="445500"/>
             </a:xfrm>
             <a:prstGeom prst="rect">
               <a:avLst/>
@@ -4071,7 +4071,7 @@
           </p:nvSpPr>
           <p:spPr>
             <a:xfrm>
-              <a:off x="8107231" y="1821219"/>
+              <a:off x="8107156" y="1821489"/>
               <a:ext cx="51238" cy="13974"/>
             </a:xfrm>
             <a:custGeom>
@@ -4168,7 +4168,7 @@
           </p:nvSpPr>
           <p:spPr>
             <a:xfrm>
-              <a:off x="8144918" y="1836463"/>
+              <a:off x="8144844" y="1836734"/>
               <a:ext cx="15667" cy="20749"/>
             </a:xfrm>
             <a:custGeom>
@@ -4265,7 +4265,7 @@
           </p:nvSpPr>
           <p:spPr>
             <a:xfrm>
-              <a:off x="8127133" y="1838157"/>
+              <a:off x="8127058" y="1838427"/>
               <a:ext cx="10586" cy="19055"/>
             </a:xfrm>
             <a:custGeom>
@@ -4362,7 +4362,7 @@
           </p:nvSpPr>
           <p:spPr>
             <a:xfrm>
-              <a:off x="8106384" y="1839427"/>
+              <a:off x="8106309" y="1839698"/>
               <a:ext cx="14820" cy="18208"/>
             </a:xfrm>
             <a:custGeom>
@@ -4459,7 +4459,7 @@
           </p:nvSpPr>
           <p:spPr>
             <a:xfrm>
-              <a:off x="8104690" y="1861024"/>
+              <a:off x="8104615" y="1861294"/>
               <a:ext cx="58013" cy="58437"/>
             </a:xfrm>
             <a:custGeom>
@@ -4799,7 +4799,7 @@
           </p:nvSpPr>
           <p:spPr>
             <a:xfrm>
-              <a:off x="8166515" y="1822065"/>
+              <a:off x="8166440" y="1822336"/>
               <a:ext cx="34723" cy="95701"/>
             </a:xfrm>
             <a:custGeom>
@@ -5082,7 +5082,7 @@
           </p:nvSpPr>
           <p:spPr>
             <a:xfrm>
-              <a:off x="8212248" y="1825030"/>
+              <a:off x="8212173" y="1825300"/>
               <a:ext cx="43616" cy="94430"/>
             </a:xfrm>
             <a:custGeom>
@@ -5161,7 +5161,7 @@
           </p:nvSpPr>
           <p:spPr>
             <a:xfrm>
-              <a:off x="8231727" y="1832652"/>
+              <a:off x="8231652" y="1832922"/>
               <a:ext cx="3811" cy="10162"/>
             </a:xfrm>
             <a:custGeom>
@@ -5204,7 +5204,7 @@
           </p:nvSpPr>
           <p:spPr>
             <a:xfrm>
-              <a:off x="8221988" y="1850014"/>
+              <a:off x="8221913" y="1850284"/>
               <a:ext cx="23713" cy="40228"/>
             </a:xfrm>
             <a:custGeom>
@@ -5346,7 +5346,7 @@
           </p:nvSpPr>
           <p:spPr>
             <a:xfrm>
-              <a:off x="8241890" y="1850014"/>
+              <a:off x="8241815" y="1850284"/>
               <a:ext cx="3811" cy="23290"/>
             </a:xfrm>
             <a:custGeom>
@@ -5443,7 +5443,7 @@
           </p:nvSpPr>
           <p:spPr>
             <a:xfrm>
-              <a:off x="8221988" y="1850014"/>
+              <a:off x="8221913" y="1850284"/>
               <a:ext cx="3811" cy="26254"/>
             </a:xfrm>
             <a:custGeom>
@@ -5513,7 +5513,7 @@
           </p:nvSpPr>
           <p:spPr>
             <a:xfrm>
-              <a:off x="8221988" y="1897864"/>
+              <a:off x="8221913" y="1898135"/>
               <a:ext cx="23713" cy="8469"/>
             </a:xfrm>
             <a:custGeom>
@@ -5556,7 +5556,7 @@
           </p:nvSpPr>
           <p:spPr>
             <a:xfrm>
-              <a:off x="8258405" y="1821219"/>
+              <a:off x="8258330" y="1821489"/>
               <a:ext cx="50391" cy="31335"/>
             </a:xfrm>
             <a:custGeom>
@@ -5782,7 +5782,7 @@
           </p:nvSpPr>
           <p:spPr>
             <a:xfrm>
-              <a:off x="8287623" y="1850861"/>
+              <a:off x="8287549" y="1851131"/>
               <a:ext cx="22866" cy="20325"/>
             </a:xfrm>
             <a:custGeom>
@@ -5879,7 +5879,7 @@
           </p:nvSpPr>
           <p:spPr>
             <a:xfrm>
-              <a:off x="8254594" y="1852978"/>
+              <a:off x="8254519" y="1853248"/>
               <a:ext cx="19479" cy="22019"/>
             </a:xfrm>
             <a:custGeom>
@@ -5976,7 +5976,7 @@
           </p:nvSpPr>
           <p:spPr>
             <a:xfrm>
-              <a:off x="8254170" y="1864835"/>
+              <a:off x="8254095" y="1865105"/>
               <a:ext cx="56319" cy="55049"/>
             </a:xfrm>
             <a:custGeom>
@@ -6325,7 +6325,7 @@
           </p:nvSpPr>
           <p:spPr>
             <a:xfrm>
-              <a:off x="8274073" y="1880503"/>
+              <a:off x="8273998" y="1880773"/>
               <a:ext cx="19902" cy="16514"/>
             </a:xfrm>
             <a:custGeom>
@@ -6422,7 +6422,7 @@
           </p:nvSpPr>
           <p:spPr>
             <a:xfrm>
-              <a:off x="8321500" y="1822065"/>
+              <a:off x="8321425" y="1822336"/>
               <a:ext cx="95701" cy="22019"/>
             </a:xfrm>
             <a:custGeom>
@@ -6513,7 +6513,7 @@
           </p:nvSpPr>
           <p:spPr>
             <a:xfrm>
-              <a:off x="8327852" y="1847049"/>
+              <a:off x="8327777" y="1847320"/>
               <a:ext cx="82997" cy="72411"/>
             </a:xfrm>
             <a:custGeom>
@@ -6568,7 +6568,7 @@
           </p:nvSpPr>
           <p:spPr>
             <a:xfrm>
-              <a:off x="8336321" y="1854672"/>
+              <a:off x="8336246" y="1854942"/>
               <a:ext cx="66059" cy="52932"/>
             </a:xfrm>
             <a:custGeom>
@@ -6611,7 +6611,7 @@
           </p:nvSpPr>
           <p:spPr>
             <a:xfrm>
-              <a:off x="8340555" y="1858059"/>
+              <a:off x="8340481" y="1858330"/>
               <a:ext cx="57166" cy="47003"/>
             </a:xfrm>
             <a:custGeom>
@@ -6780,7 +6780,7 @@
           </p:nvSpPr>
           <p:spPr>
             <a:xfrm>
-              <a:off x="8377820" y="1885161"/>
+              <a:off x="8377745" y="1885431"/>
               <a:ext cx="17785" cy="17361"/>
             </a:xfrm>
             <a:custGeom>
@@ -6877,7 +6877,7 @@
           </p:nvSpPr>
           <p:spPr>
             <a:xfrm>
-              <a:off x="8427364" y="1821642"/>
+              <a:off x="8427289" y="1821913"/>
               <a:ext cx="42345" cy="47850"/>
             </a:xfrm>
             <a:custGeom>
@@ -7106,7 +7106,7 @@
           </p:nvSpPr>
           <p:spPr>
             <a:xfrm>
-              <a:off x="8443879" y="1857212"/>
+              <a:off x="8443804" y="1857483"/>
               <a:ext cx="21172" cy="61401"/>
             </a:xfrm>
             <a:custGeom>
@@ -7212,7 +7212,7 @@
           </p:nvSpPr>
           <p:spPr>
             <a:xfrm>
-              <a:off x="8471827" y="1821219"/>
+              <a:off x="8471752" y="1821489"/>
               <a:ext cx="51238" cy="47003"/>
             </a:xfrm>
             <a:custGeom>
@@ -7441,7 +7441,7 @@
           </p:nvSpPr>
           <p:spPr>
             <a:xfrm>
-              <a:off x="8470133" y="1852554"/>
+              <a:off x="8470059" y="1852825"/>
               <a:ext cx="57166" cy="66906"/>
             </a:xfrm>
             <a:custGeom>
@@ -7664,7 +7664,7 @@
           </p:nvSpPr>
           <p:spPr>
             <a:xfrm>
-              <a:off x="8589548" y="1822065"/>
+              <a:off x="8589473" y="1822336"/>
               <a:ext cx="47427" cy="97395"/>
             </a:xfrm>
             <a:custGeom>
@@ -7731,7 +7731,7 @@
           </p:nvSpPr>
           <p:spPr>
             <a:xfrm>
-              <a:off x="8592512" y="1830111"/>
+              <a:off x="8592438" y="1830382"/>
               <a:ext cx="21172" cy="21172"/>
             </a:xfrm>
             <a:custGeom>
@@ -7828,7 +7828,7 @@
           </p:nvSpPr>
           <p:spPr>
             <a:xfrm>
-              <a:off x="8587431" y="1855095"/>
+              <a:off x="8587356" y="1855366"/>
               <a:ext cx="22443" cy="21596"/>
             </a:xfrm>
             <a:custGeom>
@@ -7925,7 +7925,7 @@
           </p:nvSpPr>
           <p:spPr>
             <a:xfrm>
-              <a:off x="8536616" y="1822065"/>
+              <a:off x="8536541" y="1822336"/>
               <a:ext cx="45733" cy="97818"/>
             </a:xfrm>
             <a:custGeom>
@@ -8121,7 +8121,7 @@
           </p:nvSpPr>
           <p:spPr>
             <a:xfrm>
-              <a:off x="8540004" y="1829264"/>
+              <a:off x="8539929" y="1829535"/>
               <a:ext cx="13127" cy="23290"/>
             </a:xfrm>
             <a:custGeom>
@@ -8218,7 +8218,7 @@
           </p:nvSpPr>
           <p:spPr>
             <a:xfrm>
-              <a:off x="8568799" y="1829264"/>
+              <a:off x="8568724" y="1829535"/>
               <a:ext cx="14397" cy="23713"/>
             </a:xfrm>
             <a:custGeom>
@@ -8315,7 +8315,7 @@
           </p:nvSpPr>
           <p:spPr>
             <a:xfrm>
-              <a:off x="7523016" y="2319580"/>
+              <a:off x="7522712" y="2320301"/>
               <a:ext cx="43616" cy="94430"/>
             </a:xfrm>
             <a:custGeom>
@@ -8394,7 +8394,7 @@
           </p:nvSpPr>
           <p:spPr>
             <a:xfrm>
-              <a:off x="7542495" y="2327202"/>
+              <a:off x="7542191" y="2327923"/>
               <a:ext cx="3811" cy="10162"/>
             </a:xfrm>
             <a:custGeom>
@@ -8437,7 +8437,7 @@
           </p:nvSpPr>
           <p:spPr>
             <a:xfrm>
-              <a:off x="7532755" y="2344564"/>
+              <a:off x="7532452" y="2345285"/>
               <a:ext cx="23713" cy="40228"/>
             </a:xfrm>
             <a:custGeom>
@@ -8579,7 +8579,7 @@
           </p:nvSpPr>
           <p:spPr>
             <a:xfrm>
-              <a:off x="7552658" y="2344564"/>
+              <a:off x="7552354" y="2345285"/>
               <a:ext cx="3811" cy="23290"/>
             </a:xfrm>
             <a:custGeom>
@@ -8676,7 +8676,7 @@
           </p:nvSpPr>
           <p:spPr>
             <a:xfrm>
-              <a:off x="7532755" y="2344564"/>
+              <a:off x="7532452" y="2345285"/>
               <a:ext cx="3811" cy="26254"/>
             </a:xfrm>
             <a:custGeom>
@@ -8746,7 +8746,7 @@
           </p:nvSpPr>
           <p:spPr>
             <a:xfrm>
-              <a:off x="7532755" y="2392414"/>
+              <a:off x="7532452" y="2393136"/>
               <a:ext cx="23713" cy="8469"/>
             </a:xfrm>
             <a:custGeom>
@@ -8789,7 +8789,7 @@
           </p:nvSpPr>
           <p:spPr>
             <a:xfrm>
-              <a:off x="7569172" y="2315769"/>
+              <a:off x="7568869" y="2316490"/>
               <a:ext cx="50391" cy="31335"/>
             </a:xfrm>
             <a:custGeom>
@@ -9015,7 +9015,7 @@
           </p:nvSpPr>
           <p:spPr>
             <a:xfrm>
-              <a:off x="7598391" y="2345410"/>
+              <a:off x="7598088" y="2346132"/>
               <a:ext cx="22866" cy="20325"/>
             </a:xfrm>
             <a:custGeom>
@@ -9112,7 +9112,7 @@
           </p:nvSpPr>
           <p:spPr>
             <a:xfrm>
-              <a:off x="7565361" y="2347528"/>
+              <a:off x="7565058" y="2348249"/>
               <a:ext cx="19479" cy="22019"/>
             </a:xfrm>
             <a:custGeom>
@@ -9209,7 +9209,7 @@
           </p:nvSpPr>
           <p:spPr>
             <a:xfrm>
-              <a:off x="7564938" y="2359385"/>
+              <a:off x="7564635" y="2360106"/>
               <a:ext cx="56319" cy="55049"/>
             </a:xfrm>
             <a:custGeom>
@@ -9558,7 +9558,7 @@
           </p:nvSpPr>
           <p:spPr>
             <a:xfrm>
-              <a:off x="7584840" y="2375052"/>
+              <a:off x="7584537" y="2375774"/>
               <a:ext cx="19902" cy="16514"/>
             </a:xfrm>
             <a:custGeom>
@@ -9655,7 +9655,7 @@
           </p:nvSpPr>
           <p:spPr>
             <a:xfrm>
-              <a:off x="7631421" y="2316615"/>
+              <a:off x="7631117" y="2317337"/>
               <a:ext cx="38534" cy="97818"/>
             </a:xfrm>
             <a:custGeom>
@@ -9977,7 +9977,7 @@
           </p:nvSpPr>
           <p:spPr>
             <a:xfrm>
-              <a:off x="7643277" y="2343717"/>
+              <a:off x="7642974" y="2344438"/>
               <a:ext cx="14397" cy="33876"/>
             </a:xfrm>
             <a:custGeom>
@@ -10074,7 +10074,7 @@
           </p:nvSpPr>
           <p:spPr>
             <a:xfrm>
-              <a:off x="7663180" y="2322120"/>
+              <a:off x="7662877" y="2322842"/>
               <a:ext cx="62671" cy="91890"/>
             </a:xfrm>
             <a:custGeom>
@@ -10441,7 +10441,7 @@
           </p:nvSpPr>
           <p:spPr>
             <a:xfrm>
-              <a:off x="5533533" y="2814553"/>
+              <a:off x="5532892" y="2815725"/>
               <a:ext cx="88925" cy="94007"/>
             </a:xfrm>
             <a:custGeom>
@@ -10496,7 +10496,7 @@
           </p:nvSpPr>
           <p:spPr>
             <a:xfrm>
-              <a:off x="5542002" y="2822599"/>
+              <a:off x="5541361" y="2823771"/>
               <a:ext cx="71987" cy="71987"/>
             </a:xfrm>
             <a:custGeom>
@@ -10539,7 +10539,7 @@
           </p:nvSpPr>
           <p:spPr>
             <a:xfrm>
-              <a:off x="5546660" y="2826410"/>
+              <a:off x="5546019" y="2827582"/>
               <a:ext cx="62671" cy="62248"/>
             </a:xfrm>
             <a:custGeom>
@@ -10618,7 +10618,7 @@
           </p:nvSpPr>
           <p:spPr>
             <a:xfrm>
-              <a:off x="5562752" y="2866638"/>
+              <a:off x="5562110" y="2867810"/>
               <a:ext cx="30912" cy="13974"/>
             </a:xfrm>
             <a:custGeom>
@@ -10661,7 +10661,7 @@
           </p:nvSpPr>
           <p:spPr>
             <a:xfrm>
-              <a:off x="5636433" y="2811165"/>
+              <a:off x="5635792" y="2812338"/>
               <a:ext cx="30912" cy="97395"/>
             </a:xfrm>
             <a:custGeom>
@@ -10797,7 +10797,7 @@
           </p:nvSpPr>
           <p:spPr>
             <a:xfrm>
-              <a:off x="5661417" y="2811165"/>
+              <a:off x="5660776" y="2812338"/>
               <a:ext cx="74528" cy="97818"/>
             </a:xfrm>
             <a:custGeom>
@@ -11014,7 +11014,7 @@
           </p:nvSpPr>
           <p:spPr>
             <a:xfrm>
-              <a:off x="5744415" y="2810742"/>
+              <a:off x="5743773" y="2811914"/>
               <a:ext cx="42345" cy="47850"/>
             </a:xfrm>
             <a:custGeom>
@@ -11243,7 +11243,7 @@
           </p:nvSpPr>
           <p:spPr>
             <a:xfrm>
-              <a:off x="5760930" y="2846312"/>
+              <a:off x="5760288" y="2847485"/>
               <a:ext cx="21172" cy="61401"/>
             </a:xfrm>
             <a:custGeom>
@@ -11349,7 +11349,7 @@
           </p:nvSpPr>
           <p:spPr>
             <a:xfrm>
-              <a:off x="5788878" y="2810318"/>
+              <a:off x="5788236" y="2811491"/>
               <a:ext cx="51238" cy="47003"/>
             </a:xfrm>
             <a:custGeom>
@@ -11578,7 +11578,7 @@
           </p:nvSpPr>
           <p:spPr>
             <a:xfrm>
-              <a:off x="5787184" y="2841654"/>
+              <a:off x="5786542" y="2842827"/>
               <a:ext cx="57166" cy="66906"/>
             </a:xfrm>
             <a:custGeom>
@@ -11801,7 +11801,7 @@
           </p:nvSpPr>
           <p:spPr>
             <a:xfrm>
-              <a:off x="5906599" y="2811165"/>
+              <a:off x="5905957" y="2812338"/>
               <a:ext cx="47427" cy="97395"/>
             </a:xfrm>
             <a:custGeom>
@@ -11868,7 +11868,7 @@
           </p:nvSpPr>
           <p:spPr>
             <a:xfrm>
-              <a:off x="5909563" y="2819211"/>
+              <a:off x="5908921" y="2820383"/>
               <a:ext cx="21172" cy="21172"/>
             </a:xfrm>
             <a:custGeom>
@@ -11965,7 +11965,7 @@
           </p:nvSpPr>
           <p:spPr>
             <a:xfrm>
-              <a:off x="5904482" y="2844195"/>
+              <a:off x="5903840" y="2845367"/>
               <a:ext cx="22443" cy="21596"/>
             </a:xfrm>
             <a:custGeom>
@@ -12062,7 +12062,7 @@
           </p:nvSpPr>
           <p:spPr>
             <a:xfrm>
-              <a:off x="5853667" y="2811165"/>
+              <a:off x="5853025" y="2812338"/>
               <a:ext cx="45733" cy="97818"/>
             </a:xfrm>
             <a:custGeom>
@@ -12258,7 +12258,7 @@
           </p:nvSpPr>
           <p:spPr>
             <a:xfrm>
-              <a:off x="5857054" y="2818364"/>
+              <a:off x="5856413" y="2819536"/>
               <a:ext cx="13127" cy="23290"/>
             </a:xfrm>
             <a:custGeom>
@@ -12355,7 +12355,7 @@
           </p:nvSpPr>
           <p:spPr>
             <a:xfrm>
-              <a:off x="5885850" y="2818364"/>
+              <a:off x="5885208" y="2819536"/>
               <a:ext cx="14397" cy="23713"/>
             </a:xfrm>
             <a:custGeom>
@@ -12452,7 +12452,7 @@
           </p:nvSpPr>
           <p:spPr>
             <a:xfrm>
-              <a:off x="5998913" y="2821328"/>
+              <a:off x="5998271" y="2822501"/>
               <a:ext cx="38111" cy="94430"/>
             </a:xfrm>
             <a:custGeom>
@@ -12669,7 +12669,7 @@
           </p:nvSpPr>
           <p:spPr>
             <a:xfrm>
-              <a:off x="6070477" y="2811165"/>
+              <a:off x="6069835" y="2812338"/>
               <a:ext cx="41075" cy="97818"/>
             </a:xfrm>
             <a:custGeom>
@@ -12865,7 +12865,7 @@
           </p:nvSpPr>
           <p:spPr>
             <a:xfrm>
-              <a:off x="6073441" y="2818364"/>
+              <a:off x="6072799" y="2819536"/>
               <a:ext cx="11856" cy="23290"/>
             </a:xfrm>
             <a:custGeom>
@@ -12962,7 +12962,7 @@
           </p:nvSpPr>
           <p:spPr>
             <a:xfrm>
-              <a:off x="6099272" y="2818364"/>
+              <a:off x="6098630" y="2819536"/>
               <a:ext cx="13127" cy="23713"/>
             </a:xfrm>
             <a:custGeom>
@@ -13059,7 +13059,7 @@
           </p:nvSpPr>
           <p:spPr>
             <a:xfrm>
-              <a:off x="6142888" y="2811589"/>
+              <a:off x="6142246" y="2812761"/>
               <a:ext cx="26254" cy="44039"/>
             </a:xfrm>
             <a:custGeom>
@@ -13156,7 +13156,7 @@
           </p:nvSpPr>
           <p:spPr>
             <a:xfrm>
-              <a:off x="6111976" y="2812436"/>
+              <a:off x="6111334" y="2813608"/>
               <a:ext cx="23290" cy="43616"/>
             </a:xfrm>
             <a:custGeom>
@@ -13253,7 +13253,7 @@
           </p:nvSpPr>
           <p:spPr>
             <a:xfrm>
-              <a:off x="6111976" y="2853511"/>
+              <a:off x="6111334" y="2854683"/>
               <a:ext cx="47850" cy="54625"/>
             </a:xfrm>
             <a:custGeom>
@@ -13542,7 +13542,7 @@
           </p:nvSpPr>
           <p:spPr>
             <a:xfrm>
-              <a:off x="6179729" y="2810742"/>
+              <a:off x="6179087" y="2811914"/>
               <a:ext cx="62248" cy="54625"/>
             </a:xfrm>
             <a:custGeom>
@@ -13903,7 +13903,7 @@
           </p:nvSpPr>
           <p:spPr>
             <a:xfrm>
-              <a:off x="6222074" y="2863674"/>
+              <a:off x="6221433" y="2864846"/>
               <a:ext cx="8469" cy="45309"/>
             </a:xfrm>
             <a:custGeom>
@@ -13946,7 +13946,7 @@
           </p:nvSpPr>
           <p:spPr>
             <a:xfrm>
-              <a:off x="6182693" y="2864521"/>
+              <a:off x="6182051" y="2865693"/>
               <a:ext cx="22866" cy="44462"/>
             </a:xfrm>
             <a:custGeom>
@@ -14103,7 +14103,7 @@
           </p:nvSpPr>
           <p:spPr>
             <a:xfrm>
-              <a:off x="6247482" y="2811589"/>
+              <a:off x="6246840" y="2812761"/>
               <a:ext cx="26254" cy="96971"/>
             </a:xfrm>
             <a:custGeom>
@@ -14296,7 +14296,7 @@
           </p:nvSpPr>
           <p:spPr>
             <a:xfrm>
-              <a:off x="6246635" y="2822599"/>
+              <a:off x="6245993" y="2823771"/>
               <a:ext cx="8469" cy="61401"/>
             </a:xfrm>
             <a:custGeom>
@@ -14339,7 +14339,7 @@
           </p:nvSpPr>
           <p:spPr>
             <a:xfrm>
-              <a:off x="6311424" y="2821328"/>
+              <a:off x="6310782" y="2822501"/>
               <a:ext cx="38111" cy="94430"/>
             </a:xfrm>
             <a:custGeom>
@@ -14556,7 +14556,7 @@
           </p:nvSpPr>
           <p:spPr>
             <a:xfrm>
-              <a:off x="5483936" y="3305292"/>
+              <a:off x="5483109" y="3306915"/>
               <a:ext cx="56743" cy="22443"/>
             </a:xfrm>
             <a:custGeom>
@@ -14665,7 +14665,7 @@
           </p:nvSpPr>
           <p:spPr>
             <a:xfrm>
-              <a:off x="5480972" y="3331123"/>
+              <a:off x="5480145" y="3332746"/>
               <a:ext cx="23713" cy="27524"/>
             </a:xfrm>
             <a:custGeom>
@@ -14762,7 +14762,7 @@
           </p:nvSpPr>
           <p:spPr>
             <a:xfrm>
-              <a:off x="5519083" y="3331546"/>
+              <a:off x="5518256" y="3333169"/>
               <a:ext cx="23290" cy="24560"/>
             </a:xfrm>
             <a:custGeom>
@@ -14859,7 +14859,7 @@
           </p:nvSpPr>
           <p:spPr>
             <a:xfrm>
-              <a:off x="5478431" y="3352296"/>
+              <a:off x="5477604" y="3353919"/>
               <a:ext cx="64365" cy="51238"/>
             </a:xfrm>
             <a:custGeom>
@@ -15172,7 +15172,7 @@
           </p:nvSpPr>
           <p:spPr>
             <a:xfrm>
-              <a:off x="5443707" y="3308256"/>
+              <a:off x="5442881" y="3309879"/>
               <a:ext cx="35146" cy="94854"/>
             </a:xfrm>
             <a:custGeom>
@@ -15434,7 +15434,7 @@
           </p:nvSpPr>
           <p:spPr>
             <a:xfrm>
-              <a:off x="5458528" y="3315878"/>
+              <a:off x="5457702" y="3317501"/>
               <a:ext cx="11856" cy="16938"/>
             </a:xfrm>
             <a:custGeom>
@@ -15477,7 +15477,7 @@
           </p:nvSpPr>
           <p:spPr>
             <a:xfrm>
-              <a:off x="5458105" y="3340015"/>
+              <a:off x="5457278" y="3341638"/>
               <a:ext cx="12280" cy="16938"/>
             </a:xfrm>
             <a:custGeom>
@@ -15550,7 +15550,7 @@
           </p:nvSpPr>
           <p:spPr>
             <a:xfrm>
-              <a:off x="5569051" y="3345097"/>
+              <a:off x="5568224" y="3346720"/>
               <a:ext cx="28795" cy="13550"/>
             </a:xfrm>
             <a:custGeom>
@@ -15593,7 +15593,7 @@
           </p:nvSpPr>
           <p:spPr>
             <a:xfrm>
-              <a:off x="5575403" y="3350178"/>
+              <a:off x="5574576" y="3351801"/>
               <a:ext cx="15667" cy="3811"/>
             </a:xfrm>
             <a:custGeom>
@@ -15636,7 +15636,7 @@
           </p:nvSpPr>
           <p:spPr>
             <a:xfrm>
-              <a:off x="5604621" y="3345097"/>
+              <a:off x="5603794" y="3346720"/>
               <a:ext cx="29641" cy="13550"/>
             </a:xfrm>
             <a:custGeom>
@@ -15679,7 +15679,7 @@
           </p:nvSpPr>
           <p:spPr>
             <a:xfrm>
-              <a:off x="5610973" y="3350178"/>
+              <a:off x="5610146" y="3351801"/>
               <a:ext cx="16514" cy="3811"/>
             </a:xfrm>
             <a:custGeom>
@@ -15722,7 +15722,7 @@
           </p:nvSpPr>
           <p:spPr>
             <a:xfrm>
-              <a:off x="5556771" y="3304868"/>
+              <a:off x="5555944" y="3306491"/>
               <a:ext cx="91043" cy="46580"/>
             </a:xfrm>
             <a:custGeom>
@@ -15837,7 +15837,7 @@
           </p:nvSpPr>
           <p:spPr>
             <a:xfrm>
-              <a:off x="5605892" y="3323077"/>
+              <a:off x="5605065" y="3324700"/>
               <a:ext cx="24983" cy="4234"/>
             </a:xfrm>
             <a:custGeom>
@@ -15880,7 +15880,7 @@
           </p:nvSpPr>
           <p:spPr>
             <a:xfrm>
-              <a:off x="5572438" y="3323077"/>
+              <a:off x="5571612" y="3324700"/>
               <a:ext cx="25407" cy="4234"/>
             </a:xfrm>
             <a:custGeom>
@@ -15923,7 +15923,7 @@
           </p:nvSpPr>
           <p:spPr>
             <a:xfrm>
-              <a:off x="5553806" y="3356107"/>
+              <a:off x="5552979" y="3357730"/>
               <a:ext cx="94007" cy="47850"/>
             </a:xfrm>
             <a:custGeom>
@@ -16311,7 +16311,7 @@
           </p:nvSpPr>
           <p:spPr>
             <a:xfrm>
-              <a:off x="5588530" y="3367540"/>
+              <a:off x="5587703" y="3369163"/>
               <a:ext cx="22866" cy="3387"/>
             </a:xfrm>
             <a:custGeom>
@@ -16354,7 +16354,7 @@
           </p:nvSpPr>
           <p:spPr>
             <a:xfrm>
-              <a:off x="5588530" y="3376009"/>
+              <a:off x="5587703" y="3377632"/>
               <a:ext cx="22866" cy="3387"/>
             </a:xfrm>
             <a:custGeom>
@@ -16397,7 +16397,7 @@
           </p:nvSpPr>
           <p:spPr>
             <a:xfrm>
-              <a:off x="5210908" y="3815181"/>
+              <a:off x="5209967" y="3817255"/>
               <a:ext cx="39804" cy="97395"/>
             </a:xfrm>
             <a:custGeom>
@@ -16683,7 +16683,7 @@
           </p:nvSpPr>
           <p:spPr>
             <a:xfrm>
-              <a:off x="5248172" y="3814335"/>
+              <a:off x="5247231" y="3816409"/>
               <a:ext cx="56319" cy="47003"/>
             </a:xfrm>
             <a:custGeom>
@@ -16912,7 +16912,7 @@
           </p:nvSpPr>
           <p:spPr>
             <a:xfrm>
-              <a:off x="5248595" y="3845670"/>
+              <a:off x="5247655" y="3847744"/>
               <a:ext cx="60554" cy="66906"/>
             </a:xfrm>
             <a:custGeom>
@@ -17135,7 +17135,7 @@
           </p:nvSpPr>
           <p:spPr>
             <a:xfrm>
-              <a:off x="5318466" y="3815181"/>
+              <a:off x="5317525" y="3817255"/>
               <a:ext cx="38111" cy="97395"/>
             </a:xfrm>
             <a:custGeom>
@@ -17331,7 +17331,7 @@
           </p:nvSpPr>
           <p:spPr>
             <a:xfrm>
-              <a:off x="5321007" y="3822380"/>
+              <a:off x="5320066" y="3824454"/>
               <a:ext cx="11009" cy="23290"/>
             </a:xfrm>
             <a:custGeom>
@@ -17428,7 +17428,7 @@
           </p:nvSpPr>
           <p:spPr>
             <a:xfrm>
-              <a:off x="5344720" y="3822380"/>
+              <a:off x="5343780" y="3824454"/>
               <a:ext cx="12703" cy="23713"/>
             </a:xfrm>
             <a:custGeom>
@@ -17525,7 +17525,7 @@
           </p:nvSpPr>
           <p:spPr>
             <a:xfrm>
-              <a:off x="5351919" y="3814335"/>
+              <a:off x="5350978" y="3816409"/>
               <a:ext cx="65212" cy="98242"/>
             </a:xfrm>
             <a:custGeom>
@@ -17772,7 +17772,7 @@
           </p:nvSpPr>
           <p:spPr>
             <a:xfrm>
-              <a:off x="5368434" y="3830849"/>
+              <a:off x="5367493" y="3832923"/>
               <a:ext cx="18208" cy="21596"/>
             </a:xfrm>
             <a:custGeom>
@@ -17827,7 +17827,7 @@
           </p:nvSpPr>
           <p:spPr>
             <a:xfrm>
-              <a:off x="5394688" y="3844823"/>
+              <a:off x="5393748" y="3846897"/>
               <a:ext cx="9316" cy="7622"/>
             </a:xfrm>
             <a:custGeom>
@@ -17870,7 +17870,7 @@
           </p:nvSpPr>
           <p:spPr>
             <a:xfrm>
-              <a:off x="5394688" y="3859644"/>
+              <a:off x="5393748" y="3861718"/>
               <a:ext cx="9316" cy="8045"/>
             </a:xfrm>
             <a:custGeom>
@@ -17913,7 +17913,7 @@
           </p:nvSpPr>
           <p:spPr>
             <a:xfrm>
-              <a:off x="5379444" y="3888440"/>
+              <a:off x="5378503" y="3890514"/>
               <a:ext cx="24983" cy="12280"/>
             </a:xfrm>
             <a:custGeom>
@@ -17956,7 +17956,7 @@
           </p:nvSpPr>
           <p:spPr>
             <a:xfrm>
-              <a:off x="4813536" y="4310578"/>
+              <a:off x="4812494" y="4313103"/>
               <a:ext cx="20749" cy="16938"/>
             </a:xfrm>
             <a:custGeom>
@@ -18053,7 +18053,7 @@
           </p:nvSpPr>
           <p:spPr>
             <a:xfrm>
-              <a:off x="4809301" y="4336833"/>
+              <a:off x="4808260" y="4339357"/>
               <a:ext cx="21596" cy="17785"/>
             </a:xfrm>
             <a:custGeom>
@@ -18150,7 +18150,7 @@
           </p:nvSpPr>
           <p:spPr>
             <a:xfrm>
-              <a:off x="4810148" y="4362663"/>
+              <a:off x="4809107" y="4365188"/>
               <a:ext cx="27101" cy="44039"/>
             </a:xfrm>
             <a:custGeom>
@@ -18247,7 +18247,7 @@
           </p:nvSpPr>
           <p:spPr>
             <a:xfrm>
-              <a:off x="4841061" y="4308884"/>
+              <a:off x="4840019" y="4311409"/>
               <a:ext cx="63942" cy="98242"/>
             </a:xfrm>
             <a:custGeom>
@@ -18644,7 +18644,7 @@
           </p:nvSpPr>
           <p:spPr>
             <a:xfrm>
-              <a:off x="4859693" y="4325399"/>
+              <a:off x="4858651" y="4327924"/>
               <a:ext cx="27524" cy="12280"/>
             </a:xfrm>
             <a:custGeom>
@@ -18741,7 +18741,7 @@
           </p:nvSpPr>
           <p:spPr>
             <a:xfrm>
-              <a:off x="4865621" y="4376638"/>
+              <a:off x="4864579" y="4379162"/>
               <a:ext cx="14820" cy="9739"/>
             </a:xfrm>
             <a:custGeom>
@@ -18784,7 +18784,7 @@
           </p:nvSpPr>
           <p:spPr>
             <a:xfrm>
-              <a:off x="4918130" y="4309308"/>
+              <a:off x="4917088" y="4311833"/>
               <a:ext cx="62248" cy="54625"/>
             </a:xfrm>
             <a:custGeom>
@@ -19145,7 +19145,7 @@
           </p:nvSpPr>
           <p:spPr>
             <a:xfrm>
-              <a:off x="4960475" y="4362240"/>
+              <a:off x="4959434" y="4364765"/>
               <a:ext cx="8469" cy="45309"/>
             </a:xfrm>
             <a:custGeom>
@@ -19188,7 +19188,7 @@
           </p:nvSpPr>
           <p:spPr>
             <a:xfrm>
-              <a:off x="4921094" y="4363087"/>
+              <a:off x="4920052" y="4365612"/>
               <a:ext cx="22866" cy="44462"/>
             </a:xfrm>
             <a:custGeom>
@@ -19345,7 +19345,7 @@
           </p:nvSpPr>
           <p:spPr>
             <a:xfrm>
-              <a:off x="4985883" y="4310155"/>
+              <a:off x="4984841" y="4312680"/>
               <a:ext cx="26254" cy="96971"/>
             </a:xfrm>
             <a:custGeom>
@@ -19538,7 +19538,7 @@
           </p:nvSpPr>
           <p:spPr>
             <a:xfrm>
-              <a:off x="4985036" y="4321165"/>
+              <a:off x="4983994" y="4323690"/>
               <a:ext cx="8469" cy="61401"/>
             </a:xfrm>
             <a:custGeom>
@@ -19581,7 +19581,7 @@
           </p:nvSpPr>
           <p:spPr>
             <a:xfrm>
-              <a:off x="4792678" y="4807669"/>
+              <a:off x="4791632" y="4810645"/>
               <a:ext cx="96548" cy="94430"/>
             </a:xfrm>
             <a:custGeom>
@@ -19690,7 +19690,7 @@
           </p:nvSpPr>
           <p:spPr>
             <a:xfrm>
-              <a:off x="4810039" y="4823760"/>
+              <a:off x="4808994" y="4826736"/>
               <a:ext cx="77916" cy="73681"/>
             </a:xfrm>
             <a:custGeom>
@@ -19769,7 +19769,7 @@
           </p:nvSpPr>
           <p:spPr>
             <a:xfrm>
-              <a:off x="4861701" y="4859754"/>
+              <a:off x="4860655" y="4862730"/>
               <a:ext cx="20325" cy="22866"/>
             </a:xfrm>
             <a:custGeom>
@@ -19866,7 +19866,7 @@
           </p:nvSpPr>
           <p:spPr>
             <a:xfrm>
-              <a:off x="4901506" y="4805128"/>
+              <a:off x="4900460" y="4808104"/>
               <a:ext cx="92313" cy="96548"/>
             </a:xfrm>
             <a:custGeom>
@@ -20008,7 +20008,7 @@
           </p:nvSpPr>
           <p:spPr>
             <a:xfrm>
-              <a:off x="5009911" y="4804281"/>
+              <a:off x="5008865" y="4807257"/>
               <a:ext cx="38111" cy="97395"/>
             </a:xfrm>
             <a:custGeom>
@@ -20204,7 +20204,7 @@
           </p:nvSpPr>
           <p:spPr>
             <a:xfrm>
-              <a:off x="5012452" y="4811480"/>
+              <a:off x="5011406" y="4814456"/>
               <a:ext cx="11009" cy="23290"/>
             </a:xfrm>
             <a:custGeom>
@@ -20301,7 +20301,7 @@
           </p:nvSpPr>
           <p:spPr>
             <a:xfrm>
-              <a:off x="5036165" y="4811480"/>
+              <a:off x="5035120" y="4814456"/>
               <a:ext cx="12703" cy="23713"/>
             </a:xfrm>
             <a:custGeom>
@@ -20398,7 +20398,7 @@
           </p:nvSpPr>
           <p:spPr>
             <a:xfrm>
-              <a:off x="5043364" y="4803434"/>
+              <a:off x="5042318" y="4806410"/>
               <a:ext cx="65212" cy="98242"/>
             </a:xfrm>
             <a:custGeom>
@@ -20645,7 +20645,7 @@
           </p:nvSpPr>
           <p:spPr>
             <a:xfrm>
-              <a:off x="5059879" y="4819949"/>
+              <a:off x="5058833" y="4822925"/>
               <a:ext cx="18208" cy="21596"/>
             </a:xfrm>
             <a:custGeom>
@@ -20700,7 +20700,7 @@
           </p:nvSpPr>
           <p:spPr>
             <a:xfrm>
-              <a:off x="5086133" y="4833923"/>
+              <a:off x="5085088" y="4836899"/>
               <a:ext cx="9316" cy="7622"/>
             </a:xfrm>
             <a:custGeom>
@@ -20743,7 +20743,7 @@
           </p:nvSpPr>
           <p:spPr>
             <a:xfrm>
-              <a:off x="5086133" y="4848744"/>
+              <a:off x="5085088" y="4851720"/>
               <a:ext cx="9316" cy="8045"/>
             </a:xfrm>
             <a:custGeom>
@@ -20786,7 +20786,7 @@
           </p:nvSpPr>
           <p:spPr>
             <a:xfrm>
-              <a:off x="5070889" y="4877539"/>
+              <a:off x="5069843" y="4880515"/>
               <a:ext cx="24983" cy="12280"/>
             </a:xfrm>
             <a:custGeom>
@@ -20829,7 +20829,7 @@
           </p:nvSpPr>
           <p:spPr>
             <a:xfrm>
-              <a:off x="5119163" y="4808092"/>
+              <a:off x="5118117" y="4811068"/>
               <a:ext cx="96971" cy="94007"/>
             </a:xfrm>
             <a:custGeom>
@@ -21034,7 +21034,7 @@
           </p:nvSpPr>
           <p:spPr>
             <a:xfrm>
-              <a:off x="5138219" y="4816138"/>
+              <a:off x="5137173" y="4819114"/>
               <a:ext cx="24983" cy="10586"/>
             </a:xfrm>
             <a:custGeom>
@@ -21077,7 +21077,7 @@
           </p:nvSpPr>
           <p:spPr>
             <a:xfrm>
-              <a:off x="5171672" y="4816138"/>
+              <a:off x="5170626" y="4819114"/>
               <a:ext cx="25407" cy="10586"/>
             </a:xfrm>
             <a:custGeom>
@@ -21120,7 +21120,7 @@
           </p:nvSpPr>
           <p:spPr>
             <a:xfrm>
-              <a:off x="5138219" y="4833923"/>
+              <a:off x="5137173" y="4836899"/>
               <a:ext cx="24983" cy="10162"/>
             </a:xfrm>
             <a:custGeom>
@@ -21163,7 +21163,7 @@
           </p:nvSpPr>
           <p:spPr>
             <a:xfrm>
-              <a:off x="5171672" y="4833923"/>
+              <a:off x="5170626" y="4836899"/>
               <a:ext cx="25407" cy="10162"/>
             </a:xfrm>
             <a:custGeom>
@@ -21206,7 +21206,7 @@
           </p:nvSpPr>
           <p:spPr>
             <a:xfrm>
-              <a:off x="2529839" y="5302219"/>
+              <a:off x="2528221" y="5305645"/>
               <a:ext cx="89772" cy="90196"/>
             </a:xfrm>
             <a:custGeom>
@@ -21261,7 +21261,7 @@
           </p:nvSpPr>
           <p:spPr>
             <a:xfrm>
-              <a:off x="2546777" y="5311958"/>
+              <a:off x="2545160" y="5315385"/>
               <a:ext cx="68176" cy="70717"/>
             </a:xfrm>
             <a:custGeom>
@@ -21607,7 +21607,7 @@
           </p:nvSpPr>
           <p:spPr>
             <a:xfrm>
-              <a:off x="2634009" y="5298831"/>
+              <a:off x="2632392" y="5302258"/>
               <a:ext cx="96124" cy="93584"/>
             </a:xfrm>
             <a:custGeom>
@@ -21803,7 +21803,7 @@
           </p:nvSpPr>
           <p:spPr>
             <a:xfrm>
-              <a:off x="2741991" y="5303489"/>
+              <a:off x="2740373" y="5306916"/>
               <a:ext cx="96124" cy="93584"/>
             </a:xfrm>
             <a:custGeom>
@@ -21978,7 +21978,7 @@
           </p:nvSpPr>
           <p:spPr>
             <a:xfrm>
-              <a:off x="2777138" y="5311535"/>
+              <a:off x="2775520" y="5314962"/>
               <a:ext cx="29641" cy="29641"/>
             </a:xfrm>
             <a:custGeom>
@@ -22051,7 +22051,7 @@
           </p:nvSpPr>
           <p:spPr>
             <a:xfrm>
-              <a:off x="2855478" y="5298831"/>
+              <a:off x="2853860" y="5302258"/>
               <a:ext cx="84691" cy="97395"/>
             </a:xfrm>
             <a:custGeom>
@@ -22166,7 +22166,7 @@
           </p:nvSpPr>
           <p:spPr>
             <a:xfrm>
-              <a:off x="2997759" y="5299255"/>
+              <a:off x="2996141" y="5302681"/>
               <a:ext cx="54625" cy="96971"/>
             </a:xfrm>
             <a:custGeom>
@@ -22482,7 +22482,7 @@
           </p:nvSpPr>
           <p:spPr>
             <a:xfrm>
-              <a:off x="3011733" y="5341177"/>
+              <a:off x="3010115" y="5344604"/>
               <a:ext cx="18632" cy="24560"/>
             </a:xfrm>
             <a:custGeom>
@@ -22579,7 +22579,7 @@
           </p:nvSpPr>
           <p:spPr>
             <a:xfrm>
-              <a:off x="2961342" y="5298831"/>
+              <a:off x="2959724" y="5302258"/>
               <a:ext cx="34723" cy="93584"/>
             </a:xfrm>
             <a:custGeom>
@@ -22700,7 +22700,7 @@
           </p:nvSpPr>
           <p:spPr>
             <a:xfrm>
-              <a:off x="2968964" y="5320851"/>
+              <a:off x="2967346" y="5324278"/>
               <a:ext cx="19479" cy="24560"/>
             </a:xfrm>
             <a:custGeom>
@@ -22743,7 +22743,7 @@
           </p:nvSpPr>
           <p:spPr>
             <a:xfrm>
-              <a:off x="2968964" y="5353457"/>
+              <a:off x="2967346" y="5356884"/>
               <a:ext cx="19479" cy="24560"/>
             </a:xfrm>
             <a:custGeom>
@@ -22786,7 +22786,7 @@
           </p:nvSpPr>
           <p:spPr>
             <a:xfrm>
-              <a:off x="3067629" y="5298831"/>
+              <a:off x="3066012" y="5302258"/>
               <a:ext cx="95277" cy="24560"/>
             </a:xfrm>
             <a:custGeom>
@@ -22877,7 +22877,7 @@
           </p:nvSpPr>
           <p:spPr>
             <a:xfrm>
-              <a:off x="3104470" y="5326356"/>
+              <a:off x="3102853" y="5329783"/>
               <a:ext cx="55896" cy="69446"/>
             </a:xfrm>
             <a:custGeom>
@@ -23166,7 +23166,7 @@
           </p:nvSpPr>
           <p:spPr>
             <a:xfrm>
-              <a:off x="3120562" y="5353881"/>
+              <a:off x="3118944" y="5357307"/>
               <a:ext cx="20325" cy="24137"/>
             </a:xfrm>
             <a:custGeom>
@@ -23263,7 +23263,7 @@
           </p:nvSpPr>
           <p:spPr>
             <a:xfrm>
-              <a:off x="3068053" y="5325086"/>
+              <a:off x="3066435" y="5328512"/>
               <a:ext cx="38534" cy="53355"/>
             </a:xfrm>
             <a:custGeom>
@@ -23579,7 +23579,7 @@
           </p:nvSpPr>
           <p:spPr>
             <a:xfrm>
-              <a:off x="3068900" y="5380558"/>
+              <a:off x="3067282" y="5383985"/>
               <a:ext cx="38534" cy="15244"/>
             </a:xfrm>
             <a:custGeom>
@@ -23676,7 +23676,7 @@
           </p:nvSpPr>
           <p:spPr>
             <a:xfrm>
-              <a:off x="3187468" y="5303066"/>
+              <a:off x="3185850" y="5306492"/>
               <a:ext cx="71987" cy="36840"/>
             </a:xfrm>
             <a:custGeom>
@@ -23719,7 +23719,7 @@
           </p:nvSpPr>
           <p:spPr>
             <a:xfrm>
-              <a:off x="3195937" y="5311111"/>
+              <a:off x="3194319" y="5314538"/>
               <a:ext cx="55472" cy="20749"/>
             </a:xfrm>
             <a:custGeom>
@@ -23762,7 +23762,7 @@
           </p:nvSpPr>
           <p:spPr>
             <a:xfrm>
-              <a:off x="3178575" y="5348376"/>
+              <a:off x="3176958" y="5351802"/>
               <a:ext cx="40228" cy="47850"/>
             </a:xfrm>
             <a:custGeom>
@@ -23817,7 +23817,7 @@
           </p:nvSpPr>
           <p:spPr>
             <a:xfrm>
-              <a:off x="3186621" y="5355998"/>
+              <a:off x="3185003" y="5359425"/>
               <a:ext cx="24137" cy="26254"/>
             </a:xfrm>
             <a:custGeom>
@@ -23860,7 +23860,7 @@
           </p:nvSpPr>
           <p:spPr>
             <a:xfrm>
-              <a:off x="3228120" y="5348376"/>
+              <a:off x="3226502" y="5351802"/>
               <a:ext cx="39804" cy="47850"/>
             </a:xfrm>
             <a:custGeom>
@@ -23915,7 +23915,7 @@
           </p:nvSpPr>
           <p:spPr>
             <a:xfrm>
-              <a:off x="3236165" y="5355998"/>
+              <a:off x="3234548" y="5359425"/>
               <a:ext cx="23713" cy="26254"/>
             </a:xfrm>
             <a:custGeom>
@@ -23958,8 +23958,8 @@
           </p:nvSpPr>
           <p:spPr>
             <a:xfrm>
-              <a:off x="2019661" y="1590617"/>
-              <a:ext cx="6917431" cy="4055309"/>
+              <a:off x="2017917" y="1590617"/>
+              <a:ext cx="6919174" cy="4059006"/>
             </a:xfrm>
             <a:prstGeom prst="rect">
               <a:avLst/>
@@ -23988,7 +23988,7 @@
           </p:nvSpPr>
           <p:spPr>
             <a:xfrm>
-              <a:off x="1926258" y="5309605"/>
+              <a:off x="1924514" y="5313032"/>
               <a:ext cx="55170" cy="79126"/>
             </a:xfrm>
             <a:custGeom>
@@ -24985,7 +24985,7 @@
           </p:nvSpPr>
           <p:spPr>
             <a:xfrm>
-              <a:off x="1943720" y="5320356"/>
+              <a:off x="1941977" y="5323782"/>
               <a:ext cx="20027" cy="21555"/>
             </a:xfrm>
             <a:custGeom>
@@ -25496,7 +25496,7 @@
           </p:nvSpPr>
           <p:spPr>
             <a:xfrm>
-              <a:off x="1942028" y="5352661"/>
+              <a:off x="1940285" y="5356088"/>
               <a:ext cx="23519" cy="25266"/>
             </a:xfrm>
             <a:custGeom>
@@ -26007,7 +26007,7 @@
           </p:nvSpPr>
           <p:spPr>
             <a:xfrm>
-              <a:off x="1927513" y="4816201"/>
+              <a:off x="1925769" y="4819177"/>
               <a:ext cx="52442" cy="76889"/>
             </a:xfrm>
             <a:custGeom>
@@ -26293,7 +26293,7 @@
           </p:nvSpPr>
           <p:spPr>
             <a:xfrm>
-              <a:off x="1926803" y="4320506"/>
+              <a:off x="1925060" y="4323030"/>
               <a:ext cx="54024" cy="79126"/>
             </a:xfrm>
             <a:custGeom>
@@ -26987,7 +26987,7 @@
           </p:nvSpPr>
           <p:spPr>
             <a:xfrm>
-              <a:off x="1942902" y="4360342"/>
+              <a:off x="1941158" y="4362867"/>
               <a:ext cx="22537" cy="27339"/>
             </a:xfrm>
             <a:custGeom>
@@ -27438,7 +27438,7 @@
           </p:nvSpPr>
           <p:spPr>
             <a:xfrm>
-              <a:off x="1926148" y="3827102"/>
+              <a:off x="1924405" y="3829176"/>
               <a:ext cx="55607" cy="77980"/>
             </a:xfrm>
             <a:custGeom>
@@ -28270,7 +28270,7 @@
           </p:nvSpPr>
           <p:spPr>
             <a:xfrm>
-              <a:off x="1924402" y="3332552"/>
+              <a:off x="1922659" y="3334175"/>
               <a:ext cx="59863" cy="76889"/>
             </a:xfrm>
             <a:custGeom>
@@ -28334,7 +28334,7 @@
           </p:nvSpPr>
           <p:spPr>
             <a:xfrm>
-              <a:off x="1936899" y="3346538"/>
+              <a:off x="1935155" y="3348161"/>
               <a:ext cx="22952" cy="35836"/>
             </a:xfrm>
             <a:custGeom>
@@ -28611,7 +28611,7 @@
           </p:nvSpPr>
           <p:spPr>
             <a:xfrm>
-              <a:off x="1925275" y="2836856"/>
+              <a:off x="1923532" y="2838028"/>
               <a:ext cx="55552" cy="79290"/>
             </a:xfrm>
             <a:custGeom>
@@ -29534,7 +29534,7 @@
                     <a:pt x="26919" y="13"/>
                   </a:lnTo>
                   <a:lnTo>
-                    <a:pt x="27939" y="0"/>
+                    <a:pt x="27940" y="0"/>
                   </a:lnTo>
                   <a:lnTo>
                     <a:pt x="29274" y="16"/>
@@ -29920,7 +29920,7 @@
           </p:nvSpPr>
           <p:spPr>
             <a:xfrm>
-              <a:off x="1926585" y="2342306"/>
+              <a:off x="1924841" y="2343027"/>
               <a:ext cx="53806" cy="78035"/>
             </a:xfrm>
             <a:custGeom>
@@ -30686,7 +30686,7 @@
           </p:nvSpPr>
           <p:spPr>
             <a:xfrm>
-              <a:off x="1929750" y="1848902"/>
+              <a:off x="1928007" y="1849172"/>
               <a:ext cx="52005" cy="76889"/>
             </a:xfrm>
             <a:custGeom>
@@ -30750,7 +30750,7 @@
           </p:nvSpPr>
           <p:spPr>
             <a:xfrm>
-              <a:off x="1984866" y="5349196"/>
+              <a:off x="1983123" y="5352623"/>
               <a:ext cx="34794" cy="0"/>
             </a:xfrm>
             <a:custGeom>
@@ -30790,7 +30790,7 @@
           </p:nvSpPr>
           <p:spPr>
             <a:xfrm>
-              <a:off x="1984866" y="4854646"/>
+              <a:off x="1983123" y="4857622"/>
               <a:ext cx="34794" cy="0"/>
             </a:xfrm>
             <a:custGeom>
@@ -30830,7 +30830,7 @@
           </p:nvSpPr>
           <p:spPr>
             <a:xfrm>
-              <a:off x="1984866" y="4360096"/>
+              <a:off x="1983123" y="4362621"/>
               <a:ext cx="34794" cy="0"/>
             </a:xfrm>
             <a:custGeom>
@@ -30870,7 +30870,7 @@
           </p:nvSpPr>
           <p:spPr>
             <a:xfrm>
-              <a:off x="1984866" y="3865546"/>
+              <a:off x="1983123" y="3867620"/>
               <a:ext cx="34794" cy="0"/>
             </a:xfrm>
             <a:custGeom>
@@ -30910,7 +30910,7 @@
           </p:nvSpPr>
           <p:spPr>
             <a:xfrm>
-              <a:off x="1984866" y="3370996"/>
+              <a:off x="1983123" y="3372620"/>
               <a:ext cx="34794" cy="0"/>
             </a:xfrm>
             <a:custGeom>
@@ -30950,7 +30950,7 @@
           </p:nvSpPr>
           <p:spPr>
             <a:xfrm>
-              <a:off x="1984866" y="2876447"/>
+              <a:off x="1983123" y="2877619"/>
               <a:ext cx="34794" cy="0"/>
             </a:xfrm>
             <a:custGeom>
@@ -30990,7 +30990,7 @@
           </p:nvSpPr>
           <p:spPr>
             <a:xfrm>
-              <a:off x="1984866" y="2381897"/>
+              <a:off x="1983123" y="2382618"/>
               <a:ext cx="34794" cy="0"/>
             </a:xfrm>
             <a:custGeom>
@@ -31030,7 +31030,7 @@
           </p:nvSpPr>
           <p:spPr>
             <a:xfrm>
-              <a:off x="1984866" y="1887347"/>
+              <a:off x="1983123" y="1887617"/>
               <a:ext cx="34794" cy="0"/>
             </a:xfrm>
             <a:custGeom>
@@ -31070,7 +31070,7 @@
           </p:nvSpPr>
           <p:spPr>
             <a:xfrm>
-              <a:off x="2019661" y="5645926"/>
+              <a:off x="2017917" y="5649623"/>
               <a:ext cx="0" cy="34794"/>
             </a:xfrm>
             <a:custGeom>
@@ -31110,7 +31110,7 @@
           </p:nvSpPr>
           <p:spPr>
             <a:xfrm>
-              <a:off x="4273498" y="5645926"/>
+              <a:off x="4272322" y="5649623"/>
               <a:ext cx="0" cy="34794"/>
             </a:xfrm>
             <a:custGeom>
@@ -31150,7 +31150,7 @@
           </p:nvSpPr>
           <p:spPr>
             <a:xfrm>
-              <a:off x="6527335" y="5645926"/>
+              <a:off x="6526727" y="5649623"/>
               <a:ext cx="0" cy="34794"/>
             </a:xfrm>
             <a:custGeom>
@@ -31190,7 +31190,7 @@
           </p:nvSpPr>
           <p:spPr>
             <a:xfrm>
-              <a:off x="8781172" y="5645926"/>
+              <a:off x="8781132" y="5649623"/>
               <a:ext cx="0" cy="34794"/>
             </a:xfrm>
             <a:custGeom>
@@ -31230,7 +31230,7 @@
           </p:nvSpPr>
           <p:spPr>
             <a:xfrm>
-              <a:off x="1992948" y="5707410"/>
+              <a:off x="1991205" y="5711107"/>
               <a:ext cx="53424" cy="79126"/>
             </a:xfrm>
             <a:custGeom>
@@ -31673,7 +31673,7 @@
                     <a:pt x="48312" y="12306"/>
                   </a:lnTo>
                   <a:lnTo>
-                    <a:pt x="48894" y="13492"/>
+                    <a:pt x="48895" y="13492"/>
                   </a:lnTo>
                   <a:lnTo>
                     <a:pt x="49447" y="14740"/>
@@ -31741,7 +31741,7 @@
           </p:nvSpPr>
           <p:spPr>
             <a:xfrm>
-              <a:off x="2002880" y="5715377"/>
+              <a:off x="2001137" y="5719075"/>
               <a:ext cx="33506" cy="63137"/>
             </a:xfrm>
             <a:custGeom>
@@ -32252,7 +32252,7 @@
           </p:nvSpPr>
           <p:spPr>
             <a:xfrm>
-              <a:off x="4157699" y="5708556"/>
+              <a:off x="4156524" y="5712253"/>
               <a:ext cx="48185" cy="76889"/>
             </a:xfrm>
             <a:custGeom>
@@ -32316,7 +32316,7 @@
           </p:nvSpPr>
           <p:spPr>
             <a:xfrm>
-              <a:off x="4215708" y="5707410"/>
+              <a:off x="4214532" y="5711107"/>
               <a:ext cx="53424" cy="79126"/>
             </a:xfrm>
             <a:custGeom>
@@ -32827,7 +32827,7 @@
           </p:nvSpPr>
           <p:spPr>
             <a:xfrm>
-              <a:off x="4225639" y="5715377"/>
+              <a:off x="4224464" y="5719075"/>
               <a:ext cx="33506" cy="63137"/>
             </a:xfrm>
             <a:custGeom>
@@ -33338,7 +33338,7 @@
           </p:nvSpPr>
           <p:spPr>
             <a:xfrm>
-              <a:off x="4277863" y="5707410"/>
+              <a:off x="4276688" y="5711107"/>
               <a:ext cx="53424" cy="79126"/>
             </a:xfrm>
             <a:custGeom>
@@ -33849,7 +33849,7 @@
           </p:nvSpPr>
           <p:spPr>
             <a:xfrm>
-              <a:off x="4287795" y="5715377"/>
+              <a:off x="4286620" y="5719075"/>
               <a:ext cx="33506" cy="63137"/>
             </a:xfrm>
             <a:custGeom>
@@ -34360,7 +34360,7 @@
           </p:nvSpPr>
           <p:spPr>
             <a:xfrm>
-              <a:off x="4340019" y="5707410"/>
+              <a:off x="4338843" y="5711107"/>
               <a:ext cx="53424" cy="79126"/>
             </a:xfrm>
             <a:custGeom>
@@ -34871,7 +34871,7 @@
           </p:nvSpPr>
           <p:spPr>
             <a:xfrm>
-              <a:off x="4349951" y="5715377"/>
+              <a:off x="4348775" y="5719075"/>
               <a:ext cx="33506" cy="63137"/>
             </a:xfrm>
             <a:custGeom>
@@ -35382,7 +35382,7 @@
           </p:nvSpPr>
           <p:spPr>
             <a:xfrm>
-              <a:off x="6408644" y="5707410"/>
+              <a:off x="6408037" y="5711107"/>
               <a:ext cx="50914" cy="78035"/>
             </a:xfrm>
             <a:custGeom>
@@ -36328,7 +36328,7 @@
           </p:nvSpPr>
           <p:spPr>
             <a:xfrm>
-              <a:off x="6469545" y="5707410"/>
+              <a:off x="6468937" y="5711107"/>
               <a:ext cx="53424" cy="79126"/>
             </a:xfrm>
             <a:custGeom>
@@ -36839,7 +36839,7 @@
           </p:nvSpPr>
           <p:spPr>
             <a:xfrm>
-              <a:off x="6479476" y="5715377"/>
+              <a:off x="6478869" y="5719075"/>
               <a:ext cx="33506" cy="63137"/>
             </a:xfrm>
             <a:custGeom>
@@ -37350,7 +37350,7 @@
           </p:nvSpPr>
           <p:spPr>
             <a:xfrm>
-              <a:off x="6531700" y="5707410"/>
+              <a:off x="6531093" y="5711107"/>
               <a:ext cx="53424" cy="79126"/>
             </a:xfrm>
             <a:custGeom>
@@ -37861,7 +37861,7 @@
           </p:nvSpPr>
           <p:spPr>
             <a:xfrm>
-              <a:off x="6541632" y="5715377"/>
+              <a:off x="6541025" y="5719075"/>
               <a:ext cx="33506" cy="63137"/>
             </a:xfrm>
             <a:custGeom>
@@ -38372,7 +38372,7 @@
           </p:nvSpPr>
           <p:spPr>
             <a:xfrm>
-              <a:off x="6593856" y="5707410"/>
+              <a:off x="6593248" y="5711107"/>
               <a:ext cx="53424" cy="79126"/>
             </a:xfrm>
             <a:custGeom>
@@ -38883,7 +38883,7 @@
           </p:nvSpPr>
           <p:spPr>
             <a:xfrm>
-              <a:off x="6603788" y="5715377"/>
+              <a:off x="6603180" y="5719075"/>
               <a:ext cx="33506" cy="63137"/>
             </a:xfrm>
             <a:custGeom>
@@ -39394,7 +39394,7 @@
           </p:nvSpPr>
           <p:spPr>
             <a:xfrm>
-              <a:off x="8661117" y="5707410"/>
+              <a:off x="8661078" y="5711107"/>
               <a:ext cx="52987" cy="79126"/>
             </a:xfrm>
             <a:custGeom>
@@ -40703,7 +40703,7 @@
           </p:nvSpPr>
           <p:spPr>
             <a:xfrm>
-              <a:off x="8723382" y="5707410"/>
+              <a:off x="8723342" y="5711107"/>
               <a:ext cx="53424" cy="79126"/>
             </a:xfrm>
             <a:custGeom>
@@ -41214,7 +41214,7 @@
           </p:nvSpPr>
           <p:spPr>
             <a:xfrm>
-              <a:off x="8733313" y="5715377"/>
+              <a:off x="8733274" y="5719075"/>
               <a:ext cx="33506" cy="63137"/>
             </a:xfrm>
             <a:custGeom>
@@ -41725,7 +41725,7 @@
           </p:nvSpPr>
           <p:spPr>
             <a:xfrm>
-              <a:off x="8785537" y="5707410"/>
+              <a:off x="8785498" y="5711107"/>
               <a:ext cx="53424" cy="79126"/>
             </a:xfrm>
             <a:custGeom>
@@ -42236,7 +42236,7 @@
           </p:nvSpPr>
           <p:spPr>
             <a:xfrm>
-              <a:off x="8795469" y="5715377"/>
+              <a:off x="8795430" y="5719075"/>
               <a:ext cx="33506" cy="63137"/>
             </a:xfrm>
             <a:custGeom>
@@ -42747,7 +42747,7 @@
           </p:nvSpPr>
           <p:spPr>
             <a:xfrm>
-              <a:off x="8847693" y="5707410"/>
+              <a:off x="8847653" y="5711107"/>
               <a:ext cx="53424" cy="79126"/>
             </a:xfrm>
             <a:custGeom>
@@ -43258,7 +43258,7 @@
           </p:nvSpPr>
           <p:spPr>
             <a:xfrm>
-              <a:off x="8857625" y="5715377"/>
+              <a:off x="8857585" y="5719075"/>
               <a:ext cx="33506" cy="63137"/>
             </a:xfrm>
             <a:custGeom>
